--- a/Notes and Primers/ppt_07_06.pptx
+++ b/Notes and Primers/ppt_07_06.pptx
@@ -235,7 +235,7 @@
           <a:p>
             <a:fld id="{391A50BD-A636-418D-B0E5-DD80ACB1AC70}" type="datetimeFigureOut">
               <a:rPr lang="nl-NL" smtClean="0"/>
-              <a:t>3-6-2019</a:t>
+              <a:t>6-6-2019</a:t>
             </a:fld>
             <a:endParaRPr lang="nl-NL"/>
           </a:p>
@@ -3799,7 +3799,7 @@
           <a:p>
             <a:fld id="{E9125684-C550-4FD4-B350-720158561533}" type="datetimeFigureOut">
               <a:rPr lang="nl-NL" smtClean="0"/>
-              <a:t>3-6-2019</a:t>
+              <a:t>6-6-2019</a:t>
             </a:fld>
             <a:endParaRPr lang="nl-NL"/>
           </a:p>
@@ -4007,7 +4007,7 @@
           <a:p>
             <a:fld id="{E9125684-C550-4FD4-B350-720158561533}" type="datetimeFigureOut">
               <a:rPr lang="nl-NL" smtClean="0"/>
-              <a:t>3-6-2019</a:t>
+              <a:t>6-6-2019</a:t>
             </a:fld>
             <a:endParaRPr lang="nl-NL"/>
           </a:p>
@@ -4263,7 +4263,7 @@
           <a:p>
             <a:fld id="{E9125684-C550-4FD4-B350-720158561533}" type="datetimeFigureOut">
               <a:rPr lang="nl-NL" smtClean="0"/>
-              <a:t>3-6-2019</a:t>
+              <a:t>6-6-2019</a:t>
             </a:fld>
             <a:endParaRPr lang="nl-NL"/>
           </a:p>
@@ -4433,7 +4433,7 @@
           <a:p>
             <a:fld id="{E9125684-C550-4FD4-B350-720158561533}" type="datetimeFigureOut">
               <a:rPr lang="nl-NL" smtClean="0"/>
-              <a:t>3-6-2019</a:t>
+              <a:t>6-6-2019</a:t>
             </a:fld>
             <a:endParaRPr lang="nl-NL"/>
           </a:p>
@@ -4776,7 +4776,7 @@
           <a:p>
             <a:fld id="{E9125684-C550-4FD4-B350-720158561533}" type="datetimeFigureOut">
               <a:rPr lang="nl-NL" smtClean="0"/>
-              <a:t>3-6-2019</a:t>
+              <a:t>6-6-2019</a:t>
             </a:fld>
             <a:endParaRPr lang="nl-NL"/>
           </a:p>
@@ -5051,7 +5051,7 @@
           <a:p>
             <a:fld id="{E9125684-C550-4FD4-B350-720158561533}" type="datetimeFigureOut">
               <a:rPr lang="nl-NL" smtClean="0"/>
-              <a:t>3-6-2019</a:t>
+              <a:t>6-6-2019</a:t>
             </a:fld>
             <a:endParaRPr lang="nl-NL"/>
           </a:p>
@@ -5430,7 +5430,7 @@
           <a:p>
             <a:fld id="{E9125684-C550-4FD4-B350-720158561533}" type="datetimeFigureOut">
               <a:rPr lang="nl-NL" smtClean="0"/>
-              <a:t>3-6-2019</a:t>
+              <a:t>6-6-2019</a:t>
             </a:fld>
             <a:endParaRPr lang="nl-NL"/>
           </a:p>
@@ -5548,7 +5548,7 @@
           <a:p>
             <a:fld id="{E9125684-C550-4FD4-B350-720158561533}" type="datetimeFigureOut">
               <a:rPr lang="nl-NL" smtClean="0"/>
-              <a:t>3-6-2019</a:t>
+              <a:t>6-6-2019</a:t>
             </a:fld>
             <a:endParaRPr lang="nl-NL"/>
           </a:p>
@@ -5719,7 +5719,7 @@
           <a:p>
             <a:fld id="{E9125684-C550-4FD4-B350-720158561533}" type="datetimeFigureOut">
               <a:rPr lang="nl-NL" smtClean="0"/>
-              <a:t>3-6-2019</a:t>
+              <a:t>6-6-2019</a:t>
             </a:fld>
             <a:endParaRPr lang="nl-NL"/>
           </a:p>
@@ -6073,7 +6073,7 @@
           <a:p>
             <a:fld id="{E9125684-C550-4FD4-B350-720158561533}" type="datetimeFigureOut">
               <a:rPr lang="nl-NL" smtClean="0"/>
-              <a:t>3-6-2019</a:t>
+              <a:t>6-6-2019</a:t>
             </a:fld>
             <a:endParaRPr lang="nl-NL"/>
           </a:p>
@@ -6450,7 +6450,7 @@
           <a:p>
             <a:fld id="{E9125684-C550-4FD4-B350-720158561533}" type="datetimeFigureOut">
               <a:rPr lang="nl-NL" smtClean="0"/>
-              <a:t>3-6-2019</a:t>
+              <a:t>6-6-2019</a:t>
             </a:fld>
             <a:endParaRPr lang="nl-NL"/>
           </a:p>
@@ -6737,7 +6737,7 @@
           <a:p>
             <a:fld id="{E9125684-C550-4FD4-B350-720158561533}" type="datetimeFigureOut">
               <a:rPr lang="nl-NL" smtClean="0"/>
-              <a:t>3-6-2019</a:t>
+              <a:t>6-6-2019</a:t>
             </a:fld>
             <a:endParaRPr lang="nl-NL"/>
           </a:p>
@@ -8635,7 +8635,7 @@
           <a:graphicData uri="http://schemas.openxmlformats.org/presentationml/2006/ole">
             <mc:AlternateContent xmlns:mc="http://schemas.openxmlformats.org/markup-compatibility/2006">
               <mc:Choice xmlns:v="urn:schemas-microsoft-com:vml" Requires="v">
-                <p:oleObj spid="_x0000_s1074" name="Bitmapafbeelding" r:id="rId5" imgW="4838760" imgH="2962440" progId="Paint.Picture">
+                <p:oleObj spid="_x0000_s1075" name="Bitmapafbeelding" r:id="rId5" imgW="4838760" imgH="2962440" progId="Paint.Picture">
                   <p:embed/>
                 </p:oleObj>
               </mc:Choice>

--- a/Notes and Primers/ppt_07_06.pptx
+++ b/Notes and Primers/ppt_07_06.pptx
@@ -34,8 +34,8 @@
     <p:sldId id="294" r:id="rId25"/>
     <p:sldId id="293" r:id="rId26"/>
     <p:sldId id="261" r:id="rId27"/>
-    <p:sldId id="290" r:id="rId28"/>
-    <p:sldId id="291" r:id="rId29"/>
+    <p:sldId id="291" r:id="rId28"/>
+    <p:sldId id="290" r:id="rId29"/>
   </p:sldIdLst>
   <p:sldSz cx="12192000" cy="6858000"/>
   <p:notesSz cx="6858000" cy="9144000"/>
@@ -235,7 +235,7 @@
           <a:p>
             <a:fld id="{391A50BD-A636-418D-B0E5-DD80ACB1AC70}" type="datetimeFigureOut">
               <a:rPr lang="nl-NL" smtClean="0"/>
-              <a:t>6-6-2019</a:t>
+              <a:t>7-6-2019</a:t>
             </a:fld>
             <a:endParaRPr lang="nl-NL"/>
           </a:p>
@@ -1641,6 +1641,73 @@
             </a:r>
           </a:p>
           <a:p>
+            <a:pPr marL="0" marR="0" lvl="0" indent="0" algn="l" defTabSz="914400" rtl="0" eaLnBrk="1" fontAlgn="auto" latinLnBrk="0" hangingPunct="1">
+              <a:lnSpc>
+                <a:spcPct val="100000"/>
+              </a:lnSpc>
+              <a:spcBef>
+                <a:spcPts val="0"/>
+              </a:spcBef>
+              <a:spcAft>
+                <a:spcPts val="0"/>
+              </a:spcAft>
+              <a:buClrTx/>
+              <a:buSzTx/>
+              <a:buFontTx/>
+              <a:buNone/>
+              <a:tabLst/>
+              <a:defRPr/>
+            </a:pPr>
+            <a:endParaRPr lang="nl-NL" dirty="0"/>
+          </a:p>
+          <a:p>
+            <a:r>
+              <a:rPr lang="nl-NL" dirty="0"/>
+              <a:t>During the early stages there is front of leukocytes </a:t>
+            </a:r>
+          </a:p>
+          <a:p>
+            <a:r>
+              <a:rPr lang="nl-NL" dirty="0"/>
+              <a:t>entering the wound section </a:t>
+            </a:r>
+          </a:p>
+          <a:p>
+            <a:r>
+              <a:rPr lang="nl-NL" dirty="0"/>
+              <a:t>followed by the ingress of fibroblasts.</a:t>
+            </a:r>
+          </a:p>
+          <a:p>
+            <a:endParaRPr lang="nl-NL" dirty="0"/>
+          </a:p>
+          <a:p>
+            <a:r>
+              <a:rPr lang="nl-NL" dirty="0"/>
+              <a:t>It can also be seen that the wound are a indicated by thered line contracts during the process. In the longer run, the leukocytes and the fibroblasts will die to small numbers at the very end of the simulation. It can be seen that the new collagen that has been deposited by the fibroblasts possesses an oriented structure towards the centre of the wound according to the meaningress of fibroblasts.</a:t>
+            </a:r>
+          </a:p>
+          <a:p>
+            <a:pPr marL="0" marR="0" lvl="0" indent="0" algn="l" defTabSz="914400" rtl="0" eaLnBrk="1" fontAlgn="auto" latinLnBrk="0" hangingPunct="1">
+              <a:lnSpc>
+                <a:spcPct val="100000"/>
+              </a:lnSpc>
+              <a:spcBef>
+                <a:spcPts val="0"/>
+              </a:spcBef>
+              <a:spcAft>
+                <a:spcPts val="0"/>
+              </a:spcAft>
+              <a:buClrTx/>
+              <a:buSzTx/>
+              <a:buFontTx/>
+              <a:buNone/>
+              <a:tabLst/>
+              <a:defRPr/>
+            </a:pPr>
+            <a:endParaRPr lang="nl-NL" dirty="0"/>
+          </a:p>
+          <a:p>
             <a:endParaRPr lang="nl-NL" dirty="0"/>
           </a:p>
         </p:txBody>
@@ -3799,7 +3866,7 @@
           <a:p>
             <a:fld id="{E9125684-C550-4FD4-B350-720158561533}" type="datetimeFigureOut">
               <a:rPr lang="nl-NL" smtClean="0"/>
-              <a:t>6-6-2019</a:t>
+              <a:t>7-6-2019</a:t>
             </a:fld>
             <a:endParaRPr lang="nl-NL"/>
           </a:p>
@@ -4007,7 +4074,7 @@
           <a:p>
             <a:fld id="{E9125684-C550-4FD4-B350-720158561533}" type="datetimeFigureOut">
               <a:rPr lang="nl-NL" smtClean="0"/>
-              <a:t>6-6-2019</a:t>
+              <a:t>7-6-2019</a:t>
             </a:fld>
             <a:endParaRPr lang="nl-NL"/>
           </a:p>
@@ -4263,7 +4330,7 @@
           <a:p>
             <a:fld id="{E9125684-C550-4FD4-B350-720158561533}" type="datetimeFigureOut">
               <a:rPr lang="nl-NL" smtClean="0"/>
-              <a:t>6-6-2019</a:t>
+              <a:t>7-6-2019</a:t>
             </a:fld>
             <a:endParaRPr lang="nl-NL"/>
           </a:p>
@@ -4433,7 +4500,7 @@
           <a:p>
             <a:fld id="{E9125684-C550-4FD4-B350-720158561533}" type="datetimeFigureOut">
               <a:rPr lang="nl-NL" smtClean="0"/>
-              <a:t>6-6-2019</a:t>
+              <a:t>7-6-2019</a:t>
             </a:fld>
             <a:endParaRPr lang="nl-NL"/>
           </a:p>
@@ -4776,7 +4843,7 @@
           <a:p>
             <a:fld id="{E9125684-C550-4FD4-B350-720158561533}" type="datetimeFigureOut">
               <a:rPr lang="nl-NL" smtClean="0"/>
-              <a:t>6-6-2019</a:t>
+              <a:t>7-6-2019</a:t>
             </a:fld>
             <a:endParaRPr lang="nl-NL"/>
           </a:p>
@@ -5051,7 +5118,7 @@
           <a:p>
             <a:fld id="{E9125684-C550-4FD4-B350-720158561533}" type="datetimeFigureOut">
               <a:rPr lang="nl-NL" smtClean="0"/>
-              <a:t>6-6-2019</a:t>
+              <a:t>7-6-2019</a:t>
             </a:fld>
             <a:endParaRPr lang="nl-NL"/>
           </a:p>
@@ -5430,7 +5497,7 @@
           <a:p>
             <a:fld id="{E9125684-C550-4FD4-B350-720158561533}" type="datetimeFigureOut">
               <a:rPr lang="nl-NL" smtClean="0"/>
-              <a:t>6-6-2019</a:t>
+              <a:t>7-6-2019</a:t>
             </a:fld>
             <a:endParaRPr lang="nl-NL"/>
           </a:p>
@@ -5548,7 +5615,7 @@
           <a:p>
             <a:fld id="{E9125684-C550-4FD4-B350-720158561533}" type="datetimeFigureOut">
               <a:rPr lang="nl-NL" smtClean="0"/>
-              <a:t>6-6-2019</a:t>
+              <a:t>7-6-2019</a:t>
             </a:fld>
             <a:endParaRPr lang="nl-NL"/>
           </a:p>
@@ -5719,7 +5786,7 @@
           <a:p>
             <a:fld id="{E9125684-C550-4FD4-B350-720158561533}" type="datetimeFigureOut">
               <a:rPr lang="nl-NL" smtClean="0"/>
-              <a:t>6-6-2019</a:t>
+              <a:t>7-6-2019</a:t>
             </a:fld>
             <a:endParaRPr lang="nl-NL"/>
           </a:p>
@@ -6073,7 +6140,7 @@
           <a:p>
             <a:fld id="{E9125684-C550-4FD4-B350-720158561533}" type="datetimeFigureOut">
               <a:rPr lang="nl-NL" smtClean="0"/>
-              <a:t>6-6-2019</a:t>
+              <a:t>7-6-2019</a:t>
             </a:fld>
             <a:endParaRPr lang="nl-NL"/>
           </a:p>
@@ -6450,7 +6517,7 @@
           <a:p>
             <a:fld id="{E9125684-C550-4FD4-B350-720158561533}" type="datetimeFigureOut">
               <a:rPr lang="nl-NL" smtClean="0"/>
-              <a:t>6-6-2019</a:t>
+              <a:t>7-6-2019</a:t>
             </a:fld>
             <a:endParaRPr lang="nl-NL"/>
           </a:p>
@@ -6737,7 +6804,7 @@
           <a:p>
             <a:fld id="{E9125684-C550-4FD4-B350-720158561533}" type="datetimeFigureOut">
               <a:rPr lang="nl-NL" smtClean="0"/>
-              <a:t>6-6-2019</a:t>
+              <a:t>7-6-2019</a:t>
             </a:fld>
             <a:endParaRPr lang="nl-NL"/>
           </a:p>
@@ -8635,7 +8702,7 @@
           <a:graphicData uri="http://schemas.openxmlformats.org/presentationml/2006/ole">
             <mc:AlternateContent xmlns:mc="http://schemas.openxmlformats.org/markup-compatibility/2006">
               <mc:Choice xmlns:v="urn:schemas-microsoft-com:vml" Requires="v">
-                <p:oleObj spid="_x0000_s1075" name="Bitmapafbeelding" r:id="rId5" imgW="4838760" imgH="2962440" progId="Paint.Picture">
+                <p:oleObj spid="_x0000_s1080" name="Bitmapafbeelding" r:id="rId5" imgW="4838760" imgH="2962440" progId="Paint.Picture">
                   <p:embed/>
                 </p:oleObj>
               </mc:Choice>
@@ -9786,7 +9853,7 @@
         </p:nvSpPr>
         <p:spPr>
           <a:xfrm>
-            <a:off x="7137400" y="213300"/>
+            <a:off x="7177088" y="1425009"/>
             <a:ext cx="4851400" cy="942400"/>
           </a:xfrm>
           <a:prstGeom prst="rect">
@@ -9821,7 +9888,7 @@
         </p:nvSpPr>
         <p:spPr>
           <a:xfrm>
-            <a:off x="7137400" y="777619"/>
+            <a:off x="7177088" y="2367409"/>
             <a:ext cx="5054600" cy="1754326"/>
           </a:xfrm>
           <a:prstGeom prst="rect">
@@ -9876,56 +9943,6 @@
           </a:p>
           <a:p>
             <a:endParaRPr lang="nl-NL" dirty="0"/>
-          </a:p>
-        </p:txBody>
-      </p:sp>
-      <p:sp>
-        <p:nvSpPr>
-          <p:cNvPr id="9" name="TextBox 8">
-            <a:extLst>
-              <a:ext uri="{FF2B5EF4-FFF2-40B4-BE49-F238E27FC236}">
-                <a16:creationId xmlns:a16="http://schemas.microsoft.com/office/drawing/2014/main" id="{BC42C942-5CE2-4C80-A77B-D622BA21B14A}"/>
-              </a:ext>
-            </a:extLst>
-          </p:cNvPr>
-          <p:cNvSpPr txBox="1"/>
-          <p:nvPr/>
-        </p:nvSpPr>
-        <p:spPr>
-          <a:xfrm>
-            <a:off x="7137400" y="2624755"/>
-            <a:ext cx="8280400" cy="2308324"/>
-          </a:xfrm>
-          <a:prstGeom prst="rect">
-            <a:avLst/>
-          </a:prstGeom>
-          <a:noFill/>
-        </p:spPr>
-        <p:txBody>
-          <a:bodyPr wrap="square" rtlCol="0">
-            <a:spAutoFit/>
-          </a:bodyPr>
-          <a:lstStyle/>
-          <a:p>
-            <a:r>
-              <a:rPr lang="nl-NL" dirty="0"/>
-              <a:t>During the early stages there is front of leukocytes entering the wound section </a:t>
-            </a:r>
-          </a:p>
-          <a:p>
-            <a:r>
-              <a:rPr lang="nl-NL" dirty="0"/>
-              <a:t>followed by the ingress of fibroblasts.</a:t>
-            </a:r>
-          </a:p>
-          <a:p>
-            <a:endParaRPr lang="nl-NL" dirty="0"/>
-          </a:p>
-          <a:p>
-            <a:r>
-              <a:rPr lang="nl-NL" dirty="0"/>
-              <a:t>It can also be seen that the wound are a indicated by thered line contracts during the process. In the longer run, the leukocytes and the fibroblasts will die to small numbers at the very end of the simulation. It can be seen that the new collagen that has been deposited by the fibroblasts possesses an oriented structure towards the centre of the wound according to the meaningress of fibroblasts.</a:t>
-            </a:r>
           </a:p>
         </p:txBody>
       </p:sp>
@@ -10615,7 +10632,7 @@
         <p:spPr>
           <a:xfrm>
             <a:off x="1155699" y="2064809"/>
-            <a:ext cx="4940301" cy="3385542"/>
+            <a:ext cx="4940301" cy="2523768"/>
           </a:xfrm>
           <a:prstGeom prst="rect">
             <a:avLst/>
@@ -10637,7 +10654,7 @@
             </a:pPr>
             <a:r>
               <a:rPr lang="nl-NL" sz="2800" dirty="0"/>
-              <a:t>Introduction</a:t>
+              <a:t>Introduction </a:t>
             </a:r>
           </a:p>
           <a:p>
@@ -10677,32 +10694,6 @@
             <a:r>
               <a:rPr lang="nl-NL" sz="2800" dirty="0"/>
               <a:t>Proposal</a:t>
-            </a:r>
-          </a:p>
-          <a:p>
-            <a:pPr marL="285750" indent="-285750">
-              <a:buClr>
-                <a:schemeClr val="accent2"/>
-              </a:buClr>
-              <a:buFont typeface="Arial" panose="020B0604020202020204" pitchFamily="34" charset="0"/>
-              <a:buChar char="•"/>
-            </a:pPr>
-            <a:r>
-              <a:rPr lang="nl-NL" sz="2800" dirty="0"/>
-              <a:t>Possible biomarkers</a:t>
-            </a:r>
-          </a:p>
-          <a:p>
-            <a:pPr marL="285750" indent="-285750">
-              <a:buClr>
-                <a:schemeClr val="accent2"/>
-              </a:buClr>
-              <a:buFont typeface="Arial" panose="020B0604020202020204" pitchFamily="34" charset="0"/>
-              <a:buChar char="•"/>
-            </a:pPr>
-            <a:r>
-              <a:rPr lang="nl-NL" sz="2800" dirty="0"/>
-              <a:t>Possible sociomarkers</a:t>
             </a:r>
           </a:p>
           <a:p>
@@ -11587,7 +11578,7 @@
             </a:pPr>
             <a:r>
               <a:rPr lang="en-US" sz="2000" dirty="0"/>
-              <a:t>Configure and tune our 2D inflammation ABM using this knowledge</a:t>
+              <a:t>Configure and tune our 2D inflammation/contraction ABM using this knowledge</a:t>
             </a:r>
           </a:p>
           <a:p>
@@ -11625,7 +11616,7 @@
             </a:pPr>
             <a:r>
               <a:rPr lang="en-US" sz="2000" dirty="0"/>
-              <a:t>Does a 2D model accurately capture dynamics of inflammation? </a:t>
+              <a:t>Does a 2D model accurately capture dynamics of inflammation/contraction? </a:t>
             </a:r>
           </a:p>
           <a:p>
@@ -11659,7 +11650,7 @@
             </a:pPr>
             <a:r>
               <a:rPr lang="en-US" sz="2000" dirty="0"/>
-              <a:t>From here we can start experimenting and extending with 2D contraction models.</a:t>
+              <a:t>From here we can start experimenting and extending further</a:t>
             </a:r>
             <a:endParaRPr lang="nl-NL" dirty="0"/>
           </a:p>
@@ -16022,6 +16013,554 @@
       </p:grpSpPr>
       <p:sp>
         <p:nvSpPr>
+          <p:cNvPr id="200" name="CustomShape 1"/>
+          <p:cNvSpPr/>
+          <p:nvPr/>
+        </p:nvSpPr>
+        <p:spPr>
+          <a:xfrm>
+            <a:off x="707205" y="451394"/>
+            <a:ext cx="7040520" cy="6185520"/>
+          </a:xfrm>
+          <a:prstGeom prst="rect">
+            <a:avLst/>
+          </a:prstGeom>
+          <a:noFill/>
+          <a:ln>
+            <a:noFill/>
+          </a:ln>
+        </p:spPr>
+        <p:style>
+          <a:lnRef idx="0">
+            <a:scrgbClr r="0" g="0" b="0"/>
+          </a:lnRef>
+          <a:fillRef idx="0">
+            <a:scrgbClr r="0" g="0" b="0"/>
+          </a:fillRef>
+          <a:effectRef idx="0">
+            <a:scrgbClr r="0" g="0" b="0"/>
+          </a:effectRef>
+          <a:fontRef idx="minor"/>
+        </p:style>
+        <p:txBody>
+          <a:bodyPr lIns="90000" tIns="45000" rIns="90000" bIns="45000"/>
+          <a:lstStyle/>
+          <a:p>
+            <a:pPr>
+              <a:lnSpc>
+                <a:spcPct val="100000"/>
+              </a:lnSpc>
+            </a:pPr>
+            <a:r>
+              <a:rPr lang="en-US" sz="3600" b="0" strike="noStrike" spc="-1" dirty="0">
+                <a:solidFill>
+                  <a:srgbClr val="000000"/>
+                </a:solidFill>
+                <a:latin typeface="Arial"/>
+                <a:ea typeface="DejaVu Sans"/>
+              </a:rPr>
+              <a:t>Anti-TGF-</a:t>
+            </a:r>
+            <a:r>
+              <a:rPr lang="en-US" sz="3600" b="0" strike="noStrike" spc="-1" dirty="0">
+                <a:solidFill>
+                  <a:srgbClr val="000000"/>
+                </a:solidFill>
+                <a:latin typeface="Liberation Serif;Times New Roman"/>
+                <a:ea typeface="Calibri"/>
+              </a:rPr>
+              <a:t>β</a:t>
+            </a:r>
+            <a:r>
+              <a:rPr lang="en-US" sz="3600" b="0" strike="noStrike" spc="-1" dirty="0">
+                <a:solidFill>
+                  <a:srgbClr val="000000"/>
+                </a:solidFill>
+                <a:latin typeface="Arial"/>
+                <a:ea typeface="DejaVu Sans"/>
+              </a:rPr>
+              <a:t> Hypothesis</a:t>
+            </a:r>
+            <a:endParaRPr lang="en-US" sz="3600" b="0" strike="noStrike" spc="-1" dirty="0">
+              <a:latin typeface="Arial"/>
+            </a:endParaRPr>
+          </a:p>
+          <a:p>
+            <a:pPr>
+              <a:lnSpc>
+                <a:spcPct val="100000"/>
+              </a:lnSpc>
+            </a:pPr>
+            <a:endParaRPr lang="en-US" sz="3600" b="0" strike="noStrike" spc="-1" dirty="0">
+              <a:latin typeface="Arial"/>
+            </a:endParaRPr>
+          </a:p>
+          <a:p>
+            <a:pPr>
+              <a:lnSpc>
+                <a:spcPct val="100000"/>
+              </a:lnSpc>
+            </a:pPr>
+            <a:r>
+              <a:rPr lang="en-US" sz="1800" b="0" strike="noStrike" spc="-1" dirty="0">
+                <a:solidFill>
+                  <a:srgbClr val="000000"/>
+                </a:solidFill>
+                <a:latin typeface="Arial"/>
+                <a:ea typeface="Calibri"/>
+              </a:rPr>
+              <a:t>We (and others) </a:t>
+            </a:r>
+            <a:r>
+              <a:rPr lang="en-US" sz="1800" b="0" strike="noStrike" spc="-1" dirty="0" err="1">
+                <a:solidFill>
+                  <a:srgbClr val="000000"/>
+                </a:solidFill>
+                <a:latin typeface="Arial"/>
+                <a:ea typeface="Calibri"/>
+              </a:rPr>
+              <a:t>hypothesise</a:t>
+            </a:r>
+            <a:r>
+              <a:rPr lang="en-US" sz="1800" b="0" strike="noStrike" spc="-1" dirty="0">
+                <a:solidFill>
+                  <a:srgbClr val="000000"/>
+                </a:solidFill>
+                <a:latin typeface="Arial"/>
+                <a:ea typeface="Calibri"/>
+              </a:rPr>
+              <a:t> that anti-TGF-</a:t>
+            </a:r>
+            <a:r>
+              <a:rPr lang="en-US" sz="1800" b="0" strike="noStrike" spc="-1" dirty="0">
+                <a:solidFill>
+                  <a:srgbClr val="000000"/>
+                </a:solidFill>
+                <a:latin typeface="Liberation Serif;Times New Roman"/>
+                <a:ea typeface="Calibri"/>
+              </a:rPr>
+              <a:t>β therapies later in the healing process may lead to less scarring but slower healing. </a:t>
+            </a:r>
+            <a:endParaRPr lang="en-US" sz="1800" b="0" strike="noStrike" spc="-1" dirty="0">
+              <a:latin typeface="Arial"/>
+            </a:endParaRPr>
+          </a:p>
+          <a:p>
+            <a:pPr>
+              <a:lnSpc>
+                <a:spcPct val="100000"/>
+              </a:lnSpc>
+            </a:pPr>
+            <a:endParaRPr lang="en-US" sz="1800" b="0" strike="noStrike" spc="-1" dirty="0">
+              <a:latin typeface="Arial"/>
+            </a:endParaRPr>
+          </a:p>
+          <a:p>
+            <a:pPr marL="216000" indent="-215640">
+              <a:lnSpc>
+                <a:spcPct val="100000"/>
+              </a:lnSpc>
+              <a:buClr>
+                <a:srgbClr val="000000"/>
+              </a:buClr>
+              <a:buSzPct val="45000"/>
+              <a:buFont typeface="Symbol"/>
+              <a:buChar char=""/>
+            </a:pPr>
+            <a:r>
+              <a:rPr lang="en-US" sz="1600" b="0" strike="noStrike" spc="-1" dirty="0">
+                <a:solidFill>
+                  <a:srgbClr val="000000"/>
+                </a:solidFill>
+                <a:latin typeface="Liberation Serif;Times New Roman"/>
+                <a:ea typeface="Calibri"/>
+              </a:rPr>
+              <a:t>Red deer antler (traditional Chinese medicine) ointment found to modulate TGF-β levels and improve cutaneous wound healing outcomes in full-thickness rat models (</a:t>
+            </a:r>
+            <a:r>
+              <a:rPr lang="en-US" sz="1600" b="0" strike="noStrike" spc="-1" dirty="0" err="1">
+                <a:solidFill>
+                  <a:srgbClr val="000000"/>
+                </a:solidFill>
+                <a:latin typeface="Liberation Serif;Times New Roman"/>
+                <a:ea typeface="Calibri"/>
+              </a:rPr>
+              <a:t>Gu</a:t>
+            </a:r>
+            <a:r>
+              <a:rPr lang="en-US" sz="1600" b="0" strike="noStrike" spc="-1" dirty="0">
+                <a:solidFill>
+                  <a:srgbClr val="000000"/>
+                </a:solidFill>
+                <a:latin typeface="Liberation Serif;Times New Roman"/>
+                <a:ea typeface="Calibri"/>
+              </a:rPr>
+              <a:t> et al., 2008)</a:t>
+            </a:r>
+            <a:endParaRPr lang="en-US" sz="1600" b="0" strike="noStrike" spc="-1" dirty="0">
+              <a:latin typeface="Arial"/>
+            </a:endParaRPr>
+          </a:p>
+          <a:p>
+            <a:pPr>
+              <a:lnSpc>
+                <a:spcPct val="100000"/>
+              </a:lnSpc>
+            </a:pPr>
+            <a:endParaRPr lang="en-US" sz="1600" b="0" strike="noStrike" spc="-1" dirty="0">
+              <a:latin typeface="Arial"/>
+            </a:endParaRPr>
+          </a:p>
+          <a:p>
+            <a:pPr marL="216000" indent="-215640">
+              <a:lnSpc>
+                <a:spcPct val="100000"/>
+              </a:lnSpc>
+              <a:buClr>
+                <a:srgbClr val="000000"/>
+              </a:buClr>
+              <a:buSzPct val="45000"/>
+              <a:buFont typeface="Symbol"/>
+              <a:buChar char=""/>
+            </a:pPr>
+            <a:r>
+              <a:rPr lang="en-US" sz="1600" b="0" strike="noStrike" spc="-1" dirty="0">
+                <a:solidFill>
+                  <a:srgbClr val="000000"/>
+                </a:solidFill>
+                <a:latin typeface="Liberation Serif;Times New Roman"/>
+                <a:ea typeface="Calibri"/>
+              </a:rPr>
+              <a:t>Scarring in adults associated with excessive action of TGF-β</a:t>
+            </a:r>
+            <a:endParaRPr lang="en-US" sz="1600" b="0" strike="noStrike" spc="-1" dirty="0">
+              <a:latin typeface="Arial"/>
+            </a:endParaRPr>
+          </a:p>
+          <a:p>
+            <a:pPr>
+              <a:lnSpc>
+                <a:spcPct val="100000"/>
+              </a:lnSpc>
+            </a:pPr>
+            <a:endParaRPr lang="en-US" sz="1600" b="0" strike="noStrike" spc="-1" dirty="0">
+              <a:latin typeface="Arial"/>
+            </a:endParaRPr>
+          </a:p>
+          <a:p>
+            <a:pPr marL="216000" indent="-215640">
+              <a:lnSpc>
+                <a:spcPct val="100000"/>
+              </a:lnSpc>
+              <a:buClr>
+                <a:srgbClr val="000000"/>
+              </a:buClr>
+              <a:buSzPct val="45000"/>
+              <a:buFont typeface="Symbol"/>
+              <a:buChar char=""/>
+            </a:pPr>
+            <a:r>
+              <a:rPr lang="en-US" sz="1600" b="0" strike="noStrike" spc="-1" dirty="0" err="1">
+                <a:solidFill>
+                  <a:srgbClr val="000000"/>
+                </a:solidFill>
+                <a:latin typeface="Liberation Serif;Times New Roman"/>
+                <a:ea typeface="DejaVu Sans"/>
+              </a:rPr>
+              <a:t>Scarless</a:t>
+            </a:r>
+            <a:r>
+              <a:rPr lang="en-US" sz="1600" b="0" strike="noStrike" spc="-1" dirty="0">
+                <a:solidFill>
+                  <a:srgbClr val="000000"/>
+                </a:solidFill>
+                <a:latin typeface="Liberation Serif;Times New Roman"/>
+                <a:ea typeface="DejaVu Sans"/>
+              </a:rPr>
+              <a:t> fetal wounds are relatively deficient in the inflammatory cytokine TGFB (also sparse inflammatory response (reduced macrophage and monocyte infiltrates, absence of endogenous immunoglobulins at the wound site, reduced angiogenesis, and altered levels of peptide growth factors) </a:t>
+            </a:r>
+            <a:r>
+              <a:rPr lang="en-US" sz="1600" spc="-1" dirty="0">
+                <a:solidFill>
+                  <a:srgbClr val="000000"/>
+                </a:solidFill>
+                <a:latin typeface="Liberation Serif;Times New Roman"/>
+                <a:ea typeface="Calibri"/>
+              </a:rPr>
+              <a:t>(</a:t>
+            </a:r>
+            <a:r>
+              <a:rPr lang="en-US" sz="1600" spc="-1" dirty="0" err="1">
+                <a:solidFill>
+                  <a:srgbClr val="000000"/>
+                </a:solidFill>
+                <a:latin typeface="Liberation Serif;Times New Roman"/>
+                <a:ea typeface="Calibri"/>
+              </a:rPr>
+              <a:t>Adzick</a:t>
+            </a:r>
+            <a:r>
+              <a:rPr lang="en-US" sz="1600" spc="-1" dirty="0">
+                <a:solidFill>
+                  <a:srgbClr val="000000"/>
+                </a:solidFill>
+                <a:latin typeface="Liberation Serif;Times New Roman"/>
+                <a:ea typeface="Calibri"/>
+              </a:rPr>
+              <a:t> and Lorenz, 1994)</a:t>
+            </a:r>
+            <a:r>
+              <a:rPr lang="en-US" sz="1600" b="0" strike="noStrike" spc="-1" dirty="0">
+                <a:solidFill>
+                  <a:srgbClr val="000000"/>
+                </a:solidFill>
+                <a:latin typeface="Liberation Serif;Times New Roman"/>
+                <a:ea typeface="DejaVu Sans"/>
+              </a:rPr>
+              <a:t> </a:t>
+            </a:r>
+            <a:endParaRPr lang="en-US" sz="1600" b="0" strike="noStrike" spc="-1" dirty="0">
+              <a:latin typeface="Arial"/>
+            </a:endParaRPr>
+          </a:p>
+          <a:p>
+            <a:pPr>
+              <a:lnSpc>
+                <a:spcPct val="100000"/>
+              </a:lnSpc>
+            </a:pPr>
+            <a:endParaRPr lang="en-US" sz="1600" b="0" strike="noStrike" spc="-1" dirty="0">
+              <a:latin typeface="Arial"/>
+            </a:endParaRPr>
+          </a:p>
+          <a:p>
+            <a:pPr marL="216000" indent="-215640">
+              <a:lnSpc>
+                <a:spcPct val="100000"/>
+              </a:lnSpc>
+              <a:buClr>
+                <a:srgbClr val="000000"/>
+              </a:buClr>
+              <a:buSzPct val="45000"/>
+              <a:buFont typeface="Symbol"/>
+              <a:buChar char=""/>
+            </a:pPr>
+            <a:r>
+              <a:rPr lang="en-US" sz="1600" b="0" strike="noStrike" spc="-1" dirty="0">
+                <a:solidFill>
+                  <a:srgbClr val="000000"/>
+                </a:solidFill>
+                <a:latin typeface="Liberation Serif;Times New Roman"/>
+                <a:ea typeface="Calibri"/>
+              </a:rPr>
+              <a:t>It appears that adult wounds may be </a:t>
+            </a:r>
+            <a:r>
+              <a:rPr lang="en-US" sz="1600" b="0" strike="noStrike" spc="-1" dirty="0" err="1">
+                <a:solidFill>
+                  <a:srgbClr val="000000"/>
+                </a:solidFill>
+                <a:latin typeface="Liberation Serif;Times New Roman"/>
+                <a:ea typeface="Calibri"/>
+              </a:rPr>
+              <a:t>optimised</a:t>
+            </a:r>
+            <a:r>
+              <a:rPr lang="en-US" sz="1600" b="0" strike="noStrike" spc="-1" dirty="0">
+                <a:solidFill>
+                  <a:srgbClr val="000000"/>
+                </a:solidFill>
+                <a:latin typeface="Liberation Serif;Times New Roman"/>
+                <a:ea typeface="Calibri"/>
+              </a:rPr>
+              <a:t> for speed of healing under adverse conditions, resulting in excessive inflammatory infiltrate and cytokine profile  (</a:t>
+            </a:r>
+            <a:r>
+              <a:rPr lang="en-US" sz="1600" b="0" strike="noStrike" spc="-1" dirty="0" err="1">
+                <a:solidFill>
+                  <a:srgbClr val="000000"/>
+                </a:solidFill>
+                <a:latin typeface="Liberation Serif;Times New Roman"/>
+                <a:ea typeface="Calibri"/>
+              </a:rPr>
+              <a:t>Adzick</a:t>
+            </a:r>
+            <a:r>
+              <a:rPr lang="en-US" sz="1600" b="0" strike="noStrike" spc="-1" dirty="0">
+                <a:solidFill>
+                  <a:srgbClr val="000000"/>
+                </a:solidFill>
+                <a:latin typeface="Liberation Serif;Times New Roman"/>
+                <a:ea typeface="Calibri"/>
+              </a:rPr>
+              <a:t> and Lorenz, 1994) </a:t>
+            </a:r>
+            <a:endParaRPr lang="en-US" sz="1600" b="0" strike="noStrike" spc="-1" dirty="0">
+              <a:latin typeface="Arial"/>
+            </a:endParaRPr>
+          </a:p>
+          <a:p>
+            <a:pPr>
+              <a:lnSpc>
+                <a:spcPct val="100000"/>
+              </a:lnSpc>
+            </a:pPr>
+            <a:endParaRPr lang="en-US" sz="1800" b="0" strike="noStrike" spc="-1" dirty="0">
+              <a:latin typeface="Arial"/>
+            </a:endParaRPr>
+          </a:p>
+          <a:p>
+            <a:pPr>
+              <a:lnSpc>
+                <a:spcPct val="100000"/>
+              </a:lnSpc>
+            </a:pPr>
+            <a:endParaRPr lang="en-US" sz="1800" b="0" strike="noStrike" spc="-1" dirty="0">
+              <a:latin typeface="Arial"/>
+            </a:endParaRPr>
+          </a:p>
+        </p:txBody>
+      </p:sp>
+      <p:pic>
+        <p:nvPicPr>
+          <p:cNvPr id="201" name="Picture 200"/>
+          <p:cNvPicPr/>
+          <p:nvPr/>
+        </p:nvPicPr>
+        <p:blipFill>
+          <a:blip r:embed="rId2"/>
+          <a:stretch/>
+        </p:blipFill>
+        <p:spPr>
+          <a:xfrm>
+            <a:off x="7863840" y="2011680"/>
+            <a:ext cx="4263120" cy="3931560"/>
+          </a:xfrm>
+          <a:prstGeom prst="rect">
+            <a:avLst/>
+          </a:prstGeom>
+          <a:ln>
+            <a:noFill/>
+          </a:ln>
+        </p:spPr>
+      </p:pic>
+      <p:sp>
+        <p:nvSpPr>
+          <p:cNvPr id="202" name="CustomShape 2"/>
+          <p:cNvSpPr/>
+          <p:nvPr/>
+        </p:nvSpPr>
+        <p:spPr>
+          <a:xfrm>
+            <a:off x="7589520" y="493485"/>
+            <a:ext cx="4388760" cy="855000"/>
+          </a:xfrm>
+          <a:prstGeom prst="rect">
+            <a:avLst/>
+          </a:prstGeom>
+          <a:noFill/>
+          <a:ln>
+            <a:noFill/>
+          </a:ln>
+        </p:spPr>
+        <p:style>
+          <a:lnRef idx="0">
+            <a:scrgbClr r="0" g="0" b="0"/>
+          </a:lnRef>
+          <a:fillRef idx="0">
+            <a:scrgbClr r="0" g="0" b="0"/>
+          </a:fillRef>
+          <a:effectRef idx="0">
+            <a:scrgbClr r="0" g="0" b="0"/>
+          </a:effectRef>
+          <a:fontRef idx="minor"/>
+        </p:style>
+        <p:txBody>
+          <a:bodyPr lIns="90000" tIns="45000" rIns="90000" bIns="45000"/>
+          <a:lstStyle/>
+          <a:p>
+            <a:pPr>
+              <a:lnSpc>
+                <a:spcPct val="100000"/>
+              </a:lnSpc>
+            </a:pPr>
+            <a:r>
+              <a:rPr lang="en-US" sz="1800" b="0" strike="noStrike" spc="-1" dirty="0">
+                <a:latin typeface="Arial"/>
+                <a:ea typeface="AR PL SungtiL GB"/>
+              </a:rPr>
+              <a:t>Modulation of AP (through interaction with macrophages) may in fact work in this capacity</a:t>
+            </a:r>
+            <a:r>
+              <a:rPr lang="en-US" sz="1800" b="0" strike="noStrike" spc="-1" dirty="0">
+                <a:solidFill>
+                  <a:srgbClr val="000000"/>
+                </a:solidFill>
+                <a:latin typeface="Liberation Serif;Times New Roman"/>
+                <a:ea typeface="Calibri"/>
+              </a:rPr>
+              <a:t>. (“only” speculation until we validate model).</a:t>
+            </a:r>
+            <a:endParaRPr lang="en-US" sz="1800" b="0" strike="noStrike" spc="-1" dirty="0">
+              <a:latin typeface="Arial"/>
+            </a:endParaRPr>
+          </a:p>
+        </p:txBody>
+      </p:sp>
+    </p:spTree>
+  </p:cSld>
+  <p:clrMapOvr>
+    <a:masterClrMapping/>
+  </p:clrMapOvr>
+  <p:timing>
+    <p:tnLst>
+      <p:par>
+        <p:cTn id="1" dur="indefinite" restart="never" nodeType="tmRoot">
+          <p:childTnLst>
+            <p:seq>
+              <p:cTn id="2" dur="indefinite" nodeType="mainSeq"/>
+              <p:prevCondLst>
+                <p:cond evt="onPrev" delay="0">
+                  <p:tgtEl>
+                    <p:sldTgt/>
+                  </p:tgtEl>
+                </p:cond>
+              </p:prevCondLst>
+              <p:nextCondLst>
+                <p:cond evt="onNext" delay="0">
+                  <p:tgtEl>
+                    <p:sldTgt/>
+                  </p:tgtEl>
+                </p:cond>
+              </p:nextCondLst>
+            </p:seq>
+          </p:childTnLst>
+        </p:cTn>
+      </p:par>
+    </p:tnLst>
+  </p:timing>
+</p:sld>
+</file>
+
+<file path=ppt/slides/slide28.xml><?xml version="1.0" encoding="utf-8"?>
+<p:sld xmlns:a="http://schemas.openxmlformats.org/drawingml/2006/main" xmlns:r="http://schemas.openxmlformats.org/officeDocument/2006/relationships" xmlns:p="http://schemas.openxmlformats.org/presentationml/2006/main">
+  <p:cSld>
+    <p:spTree>
+      <p:nvGrpSpPr>
+        <p:cNvPr id="1" name=""/>
+        <p:cNvGrpSpPr/>
+        <p:nvPr/>
+      </p:nvGrpSpPr>
+      <p:grpSpPr>
+        <a:xfrm>
+          <a:off x="0" y="0"/>
+          <a:ext cx="0" cy="0"/>
+          <a:chOff x="0" y="0"/>
+          <a:chExt cx="0" cy="0"/>
+        </a:xfrm>
+      </p:grpSpPr>
+      <p:sp>
+        <p:nvSpPr>
           <p:cNvPr id="2" name="CustomShape 1">
             <a:extLst>
               <a:ext uri="{FF2B5EF4-FFF2-40B4-BE49-F238E27FC236}">
@@ -16175,7 +16714,7 @@
           <p:nvPr>
             <p:extLst>
               <p:ext uri="{D42A27DB-BD31-4B8C-83A1-F6EECF244321}">
-                <p14:modId xmlns:p14="http://schemas.microsoft.com/office/powerpoint/2010/main" val="2030245625"/>
+                <p14:modId xmlns:p14="http://schemas.microsoft.com/office/powerpoint/2010/main" val="688870961"/>
               </p:ext>
             </p:extLst>
           </p:nvPr>
@@ -16418,16 +16957,6 @@
                     <a:bodyPr/>
                     <a:lstStyle/>
                     <a:p>
-                      <a:r>
-                        <a:rPr lang="nl-NL" sz="1400" dirty="0"/>
-                        <a:t>Mark &amp; Ben Vacation </a:t>
-                      </a:r>
-                      <a:r>
-                        <a:rPr lang="nl-NL" sz="1400" dirty="0">
-                          <a:sym typeface="Wingdings" panose="05000000000000000000" pitchFamily="2" charset="2"/>
-                        </a:rPr>
-                        <a:t></a:t>
-                      </a:r>
                       <a:endParaRPr lang="nl-NL" sz="1400" dirty="0"/>
                     </a:p>
                   </a:txBody>
@@ -16534,554 +17063,6 @@
   <p:clrMapOvr>
     <a:masterClrMapping/>
   </p:clrMapOvr>
-</p:sld>
-</file>
-
-<file path=ppt/slides/slide28.xml><?xml version="1.0" encoding="utf-8"?>
-<p:sld xmlns:a="http://schemas.openxmlformats.org/drawingml/2006/main" xmlns:r="http://schemas.openxmlformats.org/officeDocument/2006/relationships" xmlns:p="http://schemas.openxmlformats.org/presentationml/2006/main">
-  <p:cSld>
-    <p:spTree>
-      <p:nvGrpSpPr>
-        <p:cNvPr id="1" name=""/>
-        <p:cNvGrpSpPr/>
-        <p:nvPr/>
-      </p:nvGrpSpPr>
-      <p:grpSpPr>
-        <a:xfrm>
-          <a:off x="0" y="0"/>
-          <a:ext cx="0" cy="0"/>
-          <a:chOff x="0" y="0"/>
-          <a:chExt cx="0" cy="0"/>
-        </a:xfrm>
-      </p:grpSpPr>
-      <p:sp>
-        <p:nvSpPr>
-          <p:cNvPr id="200" name="CustomShape 1"/>
-          <p:cNvSpPr/>
-          <p:nvPr/>
-        </p:nvSpPr>
-        <p:spPr>
-          <a:xfrm>
-            <a:off x="707205" y="451394"/>
-            <a:ext cx="7040520" cy="6185520"/>
-          </a:xfrm>
-          <a:prstGeom prst="rect">
-            <a:avLst/>
-          </a:prstGeom>
-          <a:noFill/>
-          <a:ln>
-            <a:noFill/>
-          </a:ln>
-        </p:spPr>
-        <p:style>
-          <a:lnRef idx="0">
-            <a:scrgbClr r="0" g="0" b="0"/>
-          </a:lnRef>
-          <a:fillRef idx="0">
-            <a:scrgbClr r="0" g="0" b="0"/>
-          </a:fillRef>
-          <a:effectRef idx="0">
-            <a:scrgbClr r="0" g="0" b="0"/>
-          </a:effectRef>
-          <a:fontRef idx="minor"/>
-        </p:style>
-        <p:txBody>
-          <a:bodyPr lIns="90000" tIns="45000" rIns="90000" bIns="45000"/>
-          <a:lstStyle/>
-          <a:p>
-            <a:pPr>
-              <a:lnSpc>
-                <a:spcPct val="100000"/>
-              </a:lnSpc>
-            </a:pPr>
-            <a:r>
-              <a:rPr lang="en-US" sz="3600" b="0" strike="noStrike" spc="-1" dirty="0">
-                <a:solidFill>
-                  <a:srgbClr val="000000"/>
-                </a:solidFill>
-                <a:latin typeface="Arial"/>
-                <a:ea typeface="DejaVu Sans"/>
-              </a:rPr>
-              <a:t>Anti-TGF-</a:t>
-            </a:r>
-            <a:r>
-              <a:rPr lang="en-US" sz="3600" b="0" strike="noStrike" spc="-1" dirty="0">
-                <a:solidFill>
-                  <a:srgbClr val="000000"/>
-                </a:solidFill>
-                <a:latin typeface="Liberation Serif;Times New Roman"/>
-                <a:ea typeface="Calibri"/>
-              </a:rPr>
-              <a:t>β</a:t>
-            </a:r>
-            <a:r>
-              <a:rPr lang="en-US" sz="3600" b="0" strike="noStrike" spc="-1" dirty="0">
-                <a:solidFill>
-                  <a:srgbClr val="000000"/>
-                </a:solidFill>
-                <a:latin typeface="Arial"/>
-                <a:ea typeface="DejaVu Sans"/>
-              </a:rPr>
-              <a:t> Hypothesis</a:t>
-            </a:r>
-            <a:endParaRPr lang="en-US" sz="3600" b="0" strike="noStrike" spc="-1" dirty="0">
-              <a:latin typeface="Arial"/>
-            </a:endParaRPr>
-          </a:p>
-          <a:p>
-            <a:pPr>
-              <a:lnSpc>
-                <a:spcPct val="100000"/>
-              </a:lnSpc>
-            </a:pPr>
-            <a:endParaRPr lang="en-US" sz="3600" b="0" strike="noStrike" spc="-1" dirty="0">
-              <a:latin typeface="Arial"/>
-            </a:endParaRPr>
-          </a:p>
-          <a:p>
-            <a:pPr>
-              <a:lnSpc>
-                <a:spcPct val="100000"/>
-              </a:lnSpc>
-            </a:pPr>
-            <a:r>
-              <a:rPr lang="en-US" sz="1800" b="0" strike="noStrike" spc="-1" dirty="0">
-                <a:solidFill>
-                  <a:srgbClr val="000000"/>
-                </a:solidFill>
-                <a:latin typeface="Arial"/>
-                <a:ea typeface="Calibri"/>
-              </a:rPr>
-              <a:t>We (and others) </a:t>
-            </a:r>
-            <a:r>
-              <a:rPr lang="en-US" sz="1800" b="0" strike="noStrike" spc="-1" dirty="0" err="1">
-                <a:solidFill>
-                  <a:srgbClr val="000000"/>
-                </a:solidFill>
-                <a:latin typeface="Arial"/>
-                <a:ea typeface="Calibri"/>
-              </a:rPr>
-              <a:t>hypothesise</a:t>
-            </a:r>
-            <a:r>
-              <a:rPr lang="en-US" sz="1800" b="0" strike="noStrike" spc="-1" dirty="0">
-                <a:solidFill>
-                  <a:srgbClr val="000000"/>
-                </a:solidFill>
-                <a:latin typeface="Arial"/>
-                <a:ea typeface="Calibri"/>
-              </a:rPr>
-              <a:t> that anti-TGF-</a:t>
-            </a:r>
-            <a:r>
-              <a:rPr lang="en-US" sz="1800" b="0" strike="noStrike" spc="-1" dirty="0">
-                <a:solidFill>
-                  <a:srgbClr val="000000"/>
-                </a:solidFill>
-                <a:latin typeface="Liberation Serif;Times New Roman"/>
-                <a:ea typeface="Calibri"/>
-              </a:rPr>
-              <a:t>β therapies later in the healing process may lead to less scarring but slower healing. </a:t>
-            </a:r>
-            <a:endParaRPr lang="en-US" sz="1800" b="0" strike="noStrike" spc="-1" dirty="0">
-              <a:latin typeface="Arial"/>
-            </a:endParaRPr>
-          </a:p>
-          <a:p>
-            <a:pPr>
-              <a:lnSpc>
-                <a:spcPct val="100000"/>
-              </a:lnSpc>
-            </a:pPr>
-            <a:endParaRPr lang="en-US" sz="1800" b="0" strike="noStrike" spc="-1" dirty="0">
-              <a:latin typeface="Arial"/>
-            </a:endParaRPr>
-          </a:p>
-          <a:p>
-            <a:pPr marL="216000" indent="-215640">
-              <a:lnSpc>
-                <a:spcPct val="100000"/>
-              </a:lnSpc>
-              <a:buClr>
-                <a:srgbClr val="000000"/>
-              </a:buClr>
-              <a:buSzPct val="45000"/>
-              <a:buFont typeface="Symbol"/>
-              <a:buChar char=""/>
-            </a:pPr>
-            <a:r>
-              <a:rPr lang="en-US" sz="1600" b="0" strike="noStrike" spc="-1" dirty="0">
-                <a:solidFill>
-                  <a:srgbClr val="000000"/>
-                </a:solidFill>
-                <a:latin typeface="Liberation Serif;Times New Roman"/>
-                <a:ea typeface="Calibri"/>
-              </a:rPr>
-              <a:t>Red deer antler (traditional Chinese medicine) ointment found to modulate TGF-β levels and improve cutaneous wound healing outcomes in full-thickness rat models (</a:t>
-            </a:r>
-            <a:r>
-              <a:rPr lang="en-US" sz="1600" b="0" strike="noStrike" spc="-1" dirty="0" err="1">
-                <a:solidFill>
-                  <a:srgbClr val="000000"/>
-                </a:solidFill>
-                <a:latin typeface="Liberation Serif;Times New Roman"/>
-                <a:ea typeface="Calibri"/>
-              </a:rPr>
-              <a:t>Gu</a:t>
-            </a:r>
-            <a:r>
-              <a:rPr lang="en-US" sz="1600" b="0" strike="noStrike" spc="-1" dirty="0">
-                <a:solidFill>
-                  <a:srgbClr val="000000"/>
-                </a:solidFill>
-                <a:latin typeface="Liberation Serif;Times New Roman"/>
-                <a:ea typeface="Calibri"/>
-              </a:rPr>
-              <a:t> et al., 2008)</a:t>
-            </a:r>
-            <a:endParaRPr lang="en-US" sz="1600" b="0" strike="noStrike" spc="-1" dirty="0">
-              <a:latin typeface="Arial"/>
-            </a:endParaRPr>
-          </a:p>
-          <a:p>
-            <a:pPr>
-              <a:lnSpc>
-                <a:spcPct val="100000"/>
-              </a:lnSpc>
-            </a:pPr>
-            <a:endParaRPr lang="en-US" sz="1600" b="0" strike="noStrike" spc="-1" dirty="0">
-              <a:latin typeface="Arial"/>
-            </a:endParaRPr>
-          </a:p>
-          <a:p>
-            <a:pPr marL="216000" indent="-215640">
-              <a:lnSpc>
-                <a:spcPct val="100000"/>
-              </a:lnSpc>
-              <a:buClr>
-                <a:srgbClr val="000000"/>
-              </a:buClr>
-              <a:buSzPct val="45000"/>
-              <a:buFont typeface="Symbol"/>
-              <a:buChar char=""/>
-            </a:pPr>
-            <a:r>
-              <a:rPr lang="en-US" sz="1600" b="0" strike="noStrike" spc="-1" dirty="0">
-                <a:solidFill>
-                  <a:srgbClr val="000000"/>
-                </a:solidFill>
-                <a:latin typeface="Liberation Serif;Times New Roman"/>
-                <a:ea typeface="Calibri"/>
-              </a:rPr>
-              <a:t>Scarring in adults associated with excessive action of TGF-β</a:t>
-            </a:r>
-            <a:endParaRPr lang="en-US" sz="1600" b="0" strike="noStrike" spc="-1" dirty="0">
-              <a:latin typeface="Arial"/>
-            </a:endParaRPr>
-          </a:p>
-          <a:p>
-            <a:pPr>
-              <a:lnSpc>
-                <a:spcPct val="100000"/>
-              </a:lnSpc>
-            </a:pPr>
-            <a:endParaRPr lang="en-US" sz="1600" b="0" strike="noStrike" spc="-1" dirty="0">
-              <a:latin typeface="Arial"/>
-            </a:endParaRPr>
-          </a:p>
-          <a:p>
-            <a:pPr marL="216000" indent="-215640">
-              <a:lnSpc>
-                <a:spcPct val="100000"/>
-              </a:lnSpc>
-              <a:buClr>
-                <a:srgbClr val="000000"/>
-              </a:buClr>
-              <a:buSzPct val="45000"/>
-              <a:buFont typeface="Symbol"/>
-              <a:buChar char=""/>
-            </a:pPr>
-            <a:r>
-              <a:rPr lang="en-US" sz="1600" b="0" strike="noStrike" spc="-1" dirty="0" err="1">
-                <a:solidFill>
-                  <a:srgbClr val="000000"/>
-                </a:solidFill>
-                <a:latin typeface="Liberation Serif;Times New Roman"/>
-                <a:ea typeface="DejaVu Sans"/>
-              </a:rPr>
-              <a:t>Scarless</a:t>
-            </a:r>
-            <a:r>
-              <a:rPr lang="en-US" sz="1600" b="0" strike="noStrike" spc="-1" dirty="0">
-                <a:solidFill>
-                  <a:srgbClr val="000000"/>
-                </a:solidFill>
-                <a:latin typeface="Liberation Serif;Times New Roman"/>
-                <a:ea typeface="DejaVu Sans"/>
-              </a:rPr>
-              <a:t> fetal wounds are relatively deficient in the inflammatory cytokine TGFB (also sparse inflammatory response (reduced macrophage and monocyte infiltrates, absence of endogenous immunoglobulins at the wound site, reduced angiogenesis, and altered levels of peptide growth factors) </a:t>
-            </a:r>
-            <a:r>
-              <a:rPr lang="en-US" sz="1600" spc="-1" dirty="0">
-                <a:solidFill>
-                  <a:srgbClr val="000000"/>
-                </a:solidFill>
-                <a:latin typeface="Liberation Serif;Times New Roman"/>
-                <a:ea typeface="Calibri"/>
-              </a:rPr>
-              <a:t>(</a:t>
-            </a:r>
-            <a:r>
-              <a:rPr lang="en-US" sz="1600" spc="-1" dirty="0" err="1">
-                <a:solidFill>
-                  <a:srgbClr val="000000"/>
-                </a:solidFill>
-                <a:latin typeface="Liberation Serif;Times New Roman"/>
-                <a:ea typeface="Calibri"/>
-              </a:rPr>
-              <a:t>Adzick</a:t>
-            </a:r>
-            <a:r>
-              <a:rPr lang="en-US" sz="1600" spc="-1" dirty="0">
-                <a:solidFill>
-                  <a:srgbClr val="000000"/>
-                </a:solidFill>
-                <a:latin typeface="Liberation Serif;Times New Roman"/>
-                <a:ea typeface="Calibri"/>
-              </a:rPr>
-              <a:t> and Lorenz, 1994)</a:t>
-            </a:r>
-            <a:r>
-              <a:rPr lang="en-US" sz="1600" b="0" strike="noStrike" spc="-1" dirty="0">
-                <a:solidFill>
-                  <a:srgbClr val="000000"/>
-                </a:solidFill>
-                <a:latin typeface="Liberation Serif;Times New Roman"/>
-                <a:ea typeface="DejaVu Sans"/>
-              </a:rPr>
-              <a:t> </a:t>
-            </a:r>
-            <a:endParaRPr lang="en-US" sz="1600" b="0" strike="noStrike" spc="-1" dirty="0">
-              <a:latin typeface="Arial"/>
-            </a:endParaRPr>
-          </a:p>
-          <a:p>
-            <a:pPr>
-              <a:lnSpc>
-                <a:spcPct val="100000"/>
-              </a:lnSpc>
-            </a:pPr>
-            <a:endParaRPr lang="en-US" sz="1600" b="0" strike="noStrike" spc="-1" dirty="0">
-              <a:latin typeface="Arial"/>
-            </a:endParaRPr>
-          </a:p>
-          <a:p>
-            <a:pPr marL="216000" indent="-215640">
-              <a:lnSpc>
-                <a:spcPct val="100000"/>
-              </a:lnSpc>
-              <a:buClr>
-                <a:srgbClr val="000000"/>
-              </a:buClr>
-              <a:buSzPct val="45000"/>
-              <a:buFont typeface="Symbol"/>
-              <a:buChar char=""/>
-            </a:pPr>
-            <a:r>
-              <a:rPr lang="en-US" sz="1600" b="0" strike="noStrike" spc="-1" dirty="0">
-                <a:solidFill>
-                  <a:srgbClr val="000000"/>
-                </a:solidFill>
-                <a:latin typeface="Liberation Serif;Times New Roman"/>
-                <a:ea typeface="Calibri"/>
-              </a:rPr>
-              <a:t>It appears that adult wounds may be </a:t>
-            </a:r>
-            <a:r>
-              <a:rPr lang="en-US" sz="1600" b="0" strike="noStrike" spc="-1" dirty="0" err="1">
-                <a:solidFill>
-                  <a:srgbClr val="000000"/>
-                </a:solidFill>
-                <a:latin typeface="Liberation Serif;Times New Roman"/>
-                <a:ea typeface="Calibri"/>
-              </a:rPr>
-              <a:t>optimised</a:t>
-            </a:r>
-            <a:r>
-              <a:rPr lang="en-US" sz="1600" b="0" strike="noStrike" spc="-1" dirty="0">
-                <a:solidFill>
-                  <a:srgbClr val="000000"/>
-                </a:solidFill>
-                <a:latin typeface="Liberation Serif;Times New Roman"/>
-                <a:ea typeface="Calibri"/>
-              </a:rPr>
-              <a:t> for speed of healing under adverse conditions, resulting in excessive inflammatory infiltrate and cytokine profile  (</a:t>
-            </a:r>
-            <a:r>
-              <a:rPr lang="en-US" sz="1600" b="0" strike="noStrike" spc="-1" dirty="0" err="1">
-                <a:solidFill>
-                  <a:srgbClr val="000000"/>
-                </a:solidFill>
-                <a:latin typeface="Liberation Serif;Times New Roman"/>
-                <a:ea typeface="Calibri"/>
-              </a:rPr>
-              <a:t>Adzick</a:t>
-            </a:r>
-            <a:r>
-              <a:rPr lang="en-US" sz="1600" b="0" strike="noStrike" spc="-1" dirty="0">
-                <a:solidFill>
-                  <a:srgbClr val="000000"/>
-                </a:solidFill>
-                <a:latin typeface="Liberation Serif;Times New Roman"/>
-                <a:ea typeface="Calibri"/>
-              </a:rPr>
-              <a:t> and Lorenz, 1994) </a:t>
-            </a:r>
-            <a:endParaRPr lang="en-US" sz="1600" b="0" strike="noStrike" spc="-1" dirty="0">
-              <a:latin typeface="Arial"/>
-            </a:endParaRPr>
-          </a:p>
-          <a:p>
-            <a:pPr>
-              <a:lnSpc>
-                <a:spcPct val="100000"/>
-              </a:lnSpc>
-            </a:pPr>
-            <a:endParaRPr lang="en-US" sz="1800" b="0" strike="noStrike" spc="-1" dirty="0">
-              <a:latin typeface="Arial"/>
-            </a:endParaRPr>
-          </a:p>
-          <a:p>
-            <a:pPr>
-              <a:lnSpc>
-                <a:spcPct val="100000"/>
-              </a:lnSpc>
-            </a:pPr>
-            <a:endParaRPr lang="en-US" sz="1800" b="0" strike="noStrike" spc="-1" dirty="0">
-              <a:latin typeface="Arial"/>
-            </a:endParaRPr>
-          </a:p>
-        </p:txBody>
-      </p:sp>
-      <p:pic>
-        <p:nvPicPr>
-          <p:cNvPr id="201" name="Picture 200"/>
-          <p:cNvPicPr/>
-          <p:nvPr/>
-        </p:nvPicPr>
-        <p:blipFill>
-          <a:blip r:embed="rId2"/>
-          <a:stretch/>
-        </p:blipFill>
-        <p:spPr>
-          <a:xfrm>
-            <a:off x="7863840" y="2011680"/>
-            <a:ext cx="4263120" cy="3931560"/>
-          </a:xfrm>
-          <a:prstGeom prst="rect">
-            <a:avLst/>
-          </a:prstGeom>
-          <a:ln>
-            <a:noFill/>
-          </a:ln>
-        </p:spPr>
-      </p:pic>
-      <p:sp>
-        <p:nvSpPr>
-          <p:cNvPr id="202" name="CustomShape 2"/>
-          <p:cNvSpPr/>
-          <p:nvPr/>
-        </p:nvSpPr>
-        <p:spPr>
-          <a:xfrm>
-            <a:off x="7589520" y="493485"/>
-            <a:ext cx="4388760" cy="855000"/>
-          </a:xfrm>
-          <a:prstGeom prst="rect">
-            <a:avLst/>
-          </a:prstGeom>
-          <a:noFill/>
-          <a:ln>
-            <a:noFill/>
-          </a:ln>
-        </p:spPr>
-        <p:style>
-          <a:lnRef idx="0">
-            <a:scrgbClr r="0" g="0" b="0"/>
-          </a:lnRef>
-          <a:fillRef idx="0">
-            <a:scrgbClr r="0" g="0" b="0"/>
-          </a:fillRef>
-          <a:effectRef idx="0">
-            <a:scrgbClr r="0" g="0" b="0"/>
-          </a:effectRef>
-          <a:fontRef idx="minor"/>
-        </p:style>
-        <p:txBody>
-          <a:bodyPr lIns="90000" tIns="45000" rIns="90000" bIns="45000"/>
-          <a:lstStyle/>
-          <a:p>
-            <a:pPr>
-              <a:lnSpc>
-                <a:spcPct val="100000"/>
-              </a:lnSpc>
-            </a:pPr>
-            <a:r>
-              <a:rPr lang="en-US" sz="1800" b="0" strike="noStrike" spc="-1" dirty="0">
-                <a:latin typeface="Arial"/>
-                <a:ea typeface="AR PL SungtiL GB"/>
-              </a:rPr>
-              <a:t>Modulation of AP (through interaction with macrophages) may in fact work in this capacity</a:t>
-            </a:r>
-            <a:r>
-              <a:rPr lang="en-US" sz="1800" b="0" strike="noStrike" spc="-1" dirty="0">
-                <a:solidFill>
-                  <a:srgbClr val="000000"/>
-                </a:solidFill>
-                <a:latin typeface="Liberation Serif;Times New Roman"/>
-                <a:ea typeface="Calibri"/>
-              </a:rPr>
-              <a:t>. (“only” speculation until we validate model).</a:t>
-            </a:r>
-            <a:endParaRPr lang="en-US" sz="1800" b="0" strike="noStrike" spc="-1" dirty="0">
-              <a:latin typeface="Arial"/>
-            </a:endParaRPr>
-          </a:p>
-        </p:txBody>
-      </p:sp>
-    </p:spTree>
-  </p:cSld>
-  <p:clrMapOvr>
-    <a:masterClrMapping/>
-  </p:clrMapOvr>
-  <p:timing>
-    <p:tnLst>
-      <p:par>
-        <p:cTn id="1" dur="indefinite" restart="never" nodeType="tmRoot">
-          <p:childTnLst>
-            <p:seq>
-              <p:cTn id="2" dur="indefinite" nodeType="mainSeq"/>
-              <p:prevCondLst>
-                <p:cond evt="onPrev" delay="0">
-                  <p:tgtEl>
-                    <p:sldTgt/>
-                  </p:tgtEl>
-                </p:cond>
-              </p:prevCondLst>
-              <p:nextCondLst>
-                <p:cond evt="onNext" delay="0">
-                  <p:tgtEl>
-                    <p:sldTgt/>
-                  </p:tgtEl>
-                </p:cond>
-              </p:nextCondLst>
-            </p:seq>
-          </p:childTnLst>
-        </p:cTn>
-      </p:par>
-    </p:tnLst>
-  </p:timing>
 </p:sld>
 </file>
 
